--- a/Onlycode.pptx
+++ b/Onlycode.pptx
@@ -3575,7 +3575,30 @@
           <a:bodyPr/>
           <a:lstStyle/>
           <a:p>
-            <a:endParaRPr lang="fr-FR"/>
+            <a:pPr marL="0" indent="0">
+              <a:buNone/>
+            </a:pPr>
+            <a:r>
+              <a:rPr lang="fr-FR" dirty="0"/>
+              <a:t>Sujet </a:t>
+            </a:r>
+            <a:r>
+              <a:rPr lang="fr-FR" dirty="0" err="1"/>
+              <a:t>Onlycode</a:t>
+            </a:r>
+            <a:r>
+              <a:rPr lang="fr-FR" dirty="0"/>
+              <a:t> </a:t>
+            </a:r>
+          </a:p>
+          <a:p>
+            <a:pPr marL="0" indent="0">
+              <a:buNone/>
+            </a:pPr>
+            <a:r>
+              <a:rPr lang="fr-FR" dirty="0"/>
+              <a:t>Site internet qui permet poser des questions sur le code </a:t>
+            </a:r>
           </a:p>
         </p:txBody>
       </p:sp>
@@ -3631,15 +3654,7 @@
             <a:pPr algn="ctr"/>
             <a:r>
               <a:rPr lang="fr-FR" sz="3600" dirty="0"/>
-              <a:t>Sujet que nous avons choisis de </a:t>
-            </a:r>
-            <a:r>
-              <a:rPr lang="fr-FR" sz="3600" dirty="0" err="1"/>
-              <a:t>realisé</a:t>
-            </a:r>
-            <a:r>
-              <a:rPr lang="fr-FR" sz="3600" dirty="0"/>
-              <a:t> </a:t>
+              <a:t>Sujet que nous avons choisis de réalisé </a:t>
             </a:r>
             <a:endParaRPr lang="fr-FR" sz="3600" dirty="0">
               <a:solidFill>
@@ -3725,7 +3740,19 @@
           <a:bodyPr/>
           <a:lstStyle/>
           <a:p>
-            <a:endParaRPr lang="fr-FR"/>
+            <a:r>
+              <a:rPr lang="fr-FR" dirty="0"/>
+              <a:t>PHP</a:t>
+            </a:r>
+          </a:p>
+          <a:p>
+            <a:r>
+              <a:rPr lang="fr-FR" dirty="0"/>
+              <a:t>HTML</a:t>
+            </a:r>
+          </a:p>
+          <a:p>
+            <a:endParaRPr lang="fr-FR" dirty="0"/>
           </a:p>
         </p:txBody>
       </p:sp>
@@ -3867,7 +3894,17 @@
           <a:bodyPr/>
           <a:lstStyle/>
           <a:p>
-            <a:endParaRPr lang="fr-FR"/>
+            <a:r>
+              <a:rPr lang="fr-FR" dirty="0"/>
+              <a:t>PHP</a:t>
+            </a:r>
+          </a:p>
+          <a:p>
+            <a:r>
+              <a:rPr lang="fr-FR" dirty="0" err="1"/>
+              <a:t>Database</a:t>
+            </a:r>
+            <a:endParaRPr lang="fr-FR" dirty="0"/>
           </a:p>
         </p:txBody>
       </p:sp>
@@ -4009,7 +4046,23 @@
           <a:bodyPr/>
           <a:lstStyle/>
           <a:p>
-            <a:endParaRPr lang="fr-FR"/>
+            <a:r>
+              <a:rPr lang="fr-FR" dirty="0"/>
+              <a:t>Pas mal de </a:t>
+            </a:r>
+            <a:r>
+              <a:rPr lang="fr-FR" dirty="0" err="1"/>
+              <a:t>probleme</a:t>
+            </a:r>
+            <a:r>
+              <a:rPr lang="fr-FR" dirty="0"/>
+              <a:t> sur le site en </a:t>
+            </a:r>
+            <a:r>
+              <a:rPr lang="fr-FR" dirty="0" err="1"/>
+              <a:t>php</a:t>
+            </a:r>
+            <a:endParaRPr lang="fr-FR" dirty="0"/>
           </a:p>
         </p:txBody>
       </p:sp>
@@ -4075,6 +4128,53 @@
           </a:p>
         </p:txBody>
       </p:sp>
+      <p:pic>
+        <p:nvPicPr>
+          <p:cNvPr id="1026" name="Picture 2" descr="Timbre De Conclusion Vecteurs libres de droits et plus d'images ...">
+            <a:extLst>
+              <a:ext uri="{FF2B5EF4-FFF2-40B4-BE49-F238E27FC236}">
+                <a16:creationId xmlns:a16="http://schemas.microsoft.com/office/drawing/2014/main" id="{3DC79DA7-F08F-4B2A-AF6A-9D1103A39285}"/>
+              </a:ext>
+            </a:extLst>
+          </p:cNvPr>
+          <p:cNvPicPr>
+            <a:picLocks noChangeAspect="1" noChangeArrowheads="1"/>
+          </p:cNvPicPr>
+          <p:nvPr/>
+        </p:nvPicPr>
+        <p:blipFill>
+          <a:blip r:embed="rId2">
+            <a:extLst>
+              <a:ext uri="{28A0092B-C50C-407E-A947-70E740481C1C}">
+                <a14:useLocalDpi xmlns:a14="http://schemas.microsoft.com/office/drawing/2010/main" val="0"/>
+              </a:ext>
+            </a:extLst>
+          </a:blip>
+          <a:srcRect/>
+          <a:stretch>
+            <a:fillRect/>
+          </a:stretch>
+        </p:blipFill>
+        <p:spPr bwMode="auto">
+          <a:xfrm>
+            <a:off x="5137571" y="2452086"/>
+            <a:ext cx="5795380" cy="3859814"/>
+          </a:xfrm>
+          <a:prstGeom prst="rect">
+            <a:avLst/>
+          </a:prstGeom>
+          <a:noFill/>
+          <a:extLst>
+            <a:ext uri="{909E8E84-426E-40DD-AFC4-6F175D3DCCD1}">
+              <a14:hiddenFill xmlns:a14="http://schemas.microsoft.com/office/drawing/2010/main">
+                <a:solidFill>
+                  <a:srgbClr val="FFFFFF"/>
+                </a:solidFill>
+              </a14:hiddenFill>
+            </a:ext>
+          </a:extLst>
+        </p:spPr>
+      </p:pic>
     </p:spTree>
     <p:extLst>
       <p:ext uri="{BB962C8B-B14F-4D97-AF65-F5344CB8AC3E}">
@@ -4216,6 +4316,36 @@
           </a:p>
         </p:txBody>
       </p:sp>
+      <p:pic>
+        <p:nvPicPr>
+          <p:cNvPr id="2" name="Image 1">
+            <a:extLst>
+              <a:ext uri="{FF2B5EF4-FFF2-40B4-BE49-F238E27FC236}">
+                <a16:creationId xmlns:a16="http://schemas.microsoft.com/office/drawing/2014/main" id="{EBD05405-A75A-4061-94A5-327A1FFCEE29}"/>
+              </a:ext>
+            </a:extLst>
+          </p:cNvPr>
+          <p:cNvPicPr>
+            <a:picLocks noChangeAspect="1"/>
+          </p:cNvPicPr>
+          <p:nvPr/>
+        </p:nvPicPr>
+        <p:blipFill>
+          <a:blip r:embed="rId2"/>
+          <a:stretch>
+            <a:fillRect/>
+          </a:stretch>
+        </p:blipFill>
+        <p:spPr>
+          <a:xfrm>
+            <a:off x="970675" y="1680448"/>
+            <a:ext cx="10515601" cy="4496515"/>
+          </a:xfrm>
+          <a:prstGeom prst="rect">
+            <a:avLst/>
+          </a:prstGeom>
+        </p:spPr>
+      </p:pic>
     </p:spTree>
     <p:extLst>
       <p:ext uri="{BB962C8B-B14F-4D97-AF65-F5344CB8AC3E}">

--- a/Onlycode.pptx
+++ b/Onlycode.pptx
@@ -109,6 +109,11 @@
       </a:defRPr>
     </a:lvl9pPr>
   </p:defaultTextStyle>
+  <p:extLst>
+    <p:ext uri="{EFAFB233-063F-42B5-8137-9DF3F51BA10A}">
+      <p15:sldGuideLst xmlns:p15="http://schemas.microsoft.com/office/powerpoint/2012/main"/>
+    </p:ext>
+  </p:extLst>
 </p:presentation>
 </file>
 
@@ -4048,15 +4053,7 @@
           <a:p>
             <a:r>
               <a:rPr lang="fr-FR" dirty="0"/>
-              <a:t>Pas mal de </a:t>
-            </a:r>
-            <a:r>
-              <a:rPr lang="fr-FR" dirty="0" err="1"/>
-              <a:t>probleme</a:t>
-            </a:r>
-            <a:r>
-              <a:rPr lang="fr-FR" dirty="0"/>
-              <a:t> sur le site en </a:t>
+              <a:t>Pas mal de problème sur le site en </a:t>
             </a:r>
             <a:r>
               <a:rPr lang="fr-FR" dirty="0" err="1"/>
@@ -4232,31 +4229,6 @@
       </p:sp>
       <p:sp>
         <p:nvSpPr>
-          <p:cNvPr id="6" name="Espace réservé du contenu 5">
-            <a:extLst>
-              <a:ext uri="{FF2B5EF4-FFF2-40B4-BE49-F238E27FC236}">
-                <a16:creationId xmlns:a16="http://schemas.microsoft.com/office/drawing/2014/main" id="{A8B6FD26-F22A-4DFB-A2CE-06392723D6ED}"/>
-              </a:ext>
-            </a:extLst>
-          </p:cNvPr>
-          <p:cNvSpPr>
-            <a:spLocks noGrp="1"/>
-          </p:cNvSpPr>
-          <p:nvPr>
-            <p:ph idx="1"/>
-          </p:nvPr>
-        </p:nvSpPr>
-        <p:spPr/>
-        <p:txBody>
-          <a:bodyPr/>
-          <a:lstStyle/>
-          <a:p>
-            <a:endParaRPr lang="fr-FR"/>
-          </a:p>
-        </p:txBody>
-      </p:sp>
-      <p:sp>
-        <p:nvSpPr>
           <p:cNvPr id="4" name="Rectangle 3">
             <a:extLst>
               <a:ext uri="{FF2B5EF4-FFF2-40B4-BE49-F238E27FC236}">
@@ -4338,7 +4310,7 @@
         </p:blipFill>
         <p:spPr>
           <a:xfrm>
-            <a:off x="970675" y="1680448"/>
+            <a:off x="838200" y="1685152"/>
             <a:ext cx="10515601" cy="4496515"/>
           </a:xfrm>
           <a:prstGeom prst="rect">
